--- a/jessica.besagni/projects/Subtitles 2605.pptx
+++ b/jessica.besagni/projects/Subtitles 2605.pptx
@@ -6,10 +6,9 @@
   </p:sldMasterIdLst>
   <p:sldIdLst>
     <p:sldId id="256" r:id="rId2"/>
-    <p:sldId id="259" r:id="rId3"/>
-    <p:sldId id="260" r:id="rId4"/>
-    <p:sldId id="261" r:id="rId5"/>
-    <p:sldId id="262" r:id="rId6"/>
+    <p:sldId id="263" r:id="rId3"/>
+    <p:sldId id="264" r:id="rId4"/>
+    <p:sldId id="262" r:id="rId5"/>
   </p:sldIdLst>
   <p:sldSz cx="9144000" cy="6858000" type="screen4x3"/>
   <p:notesSz cx="6858000" cy="9144000"/>
@@ -5214,60 +5213,90 @@
           <a:lstStyle/>
           <a:p>
             <a:r>
-              <a:rPr lang="fr-FR" dirty="0" err="1"/>
+              <a:rPr lang="fr-FR" dirty="0" err="1" smtClean="0"/>
               <a:t>What</a:t>
             </a:r>
             <a:r>
-              <a:rPr lang="fr-FR" dirty="0"/>
+              <a:rPr lang="fr-FR" dirty="0" smtClean="0"/>
               <a:t> </a:t>
             </a:r>
             <a:r>
-              <a:rPr lang="fr-FR" dirty="0" err="1"/>
+              <a:rPr lang="fr-FR" dirty="0" err="1" smtClean="0"/>
               <a:t>we</a:t>
             </a:r>
             <a:r>
-              <a:rPr lang="fr-FR" dirty="0"/>
+              <a:rPr lang="fr-FR" dirty="0" smtClean="0"/>
               <a:t> have </a:t>
             </a:r>
             <a:r>
-              <a:rPr lang="fr-FR" dirty="0" err="1"/>
+              <a:rPr lang="fr-FR" dirty="0" err="1" smtClean="0"/>
               <a:t>done</a:t>
             </a:r>
-            <a:r>
-              <a:rPr lang="fr-FR" dirty="0"/>
+            <a:endParaRPr lang="fr-FR" dirty="0"/>
+          </a:p>
+        </p:txBody>
+      </p:sp>
+      <p:sp>
+        <p:nvSpPr>
+          <p:cNvPr id="3" name="Espace réservé du contenu 2"/>
+          <p:cNvSpPr>
+            <a:spLocks noGrp="1"/>
+          </p:cNvSpPr>
+          <p:nvPr>
+            <p:ph idx="1"/>
+          </p:nvPr>
+        </p:nvSpPr>
+        <p:spPr/>
+        <p:txBody>
+          <a:bodyPr/>
+          <a:lstStyle/>
+          <a:p>
+            <a:r>
+              <a:rPr lang="fr-FR" dirty="0" smtClean="0"/>
+              <a:t>Use </a:t>
+            </a:r>
+            <a:r>
+              <a:rPr lang="fr-FR" dirty="0" err="1" smtClean="0"/>
+              <a:t>regular</a:t>
+            </a:r>
+            <a:r>
+              <a:rPr lang="fr-FR" dirty="0" smtClean="0"/>
+              <a:t> expression to display the right </a:t>
+            </a:r>
+            <a:r>
+              <a:rPr lang="fr-FR" dirty="0" err="1" smtClean="0"/>
+              <a:t>link</a:t>
+            </a:r>
+            <a:r>
+              <a:rPr lang="fr-FR" dirty="0" smtClean="0"/>
               <a:t> </a:t>
             </a:r>
-          </a:p>
-        </p:txBody>
-      </p:sp>
-      <p:sp>
-        <p:nvSpPr>
-          <p:cNvPr id="3" name="Espace réservé du contenu 2"/>
-          <p:cNvSpPr>
-            <a:spLocks noGrp="1"/>
-          </p:cNvSpPr>
-          <p:nvPr>
-            <p:ph idx="1"/>
-          </p:nvPr>
-        </p:nvSpPr>
-        <p:spPr/>
-        <p:txBody>
-          <a:bodyPr>
-            <a:normAutofit fontScale="92500"/>
-          </a:bodyPr>
-          <a:lstStyle/>
-          <a:p>
             <a:r>
               <a:rPr lang="fr-FR" dirty="0" err="1" smtClean="0"/>
-              <a:t>Ask</a:t>
+              <a:t>we</a:t>
             </a:r>
             <a:r>
               <a:rPr lang="fr-FR" dirty="0" smtClean="0"/>
-              <a:t> to the user the file </a:t>
+              <a:t> </a:t>
             </a:r>
             <a:r>
               <a:rPr lang="fr-FR" dirty="0" err="1" smtClean="0"/>
-              <a:t>where</a:t>
+              <a:t>want</a:t>
+            </a:r>
+            <a:r>
+              <a:rPr lang="fr-FR" dirty="0" smtClean="0"/>
+              <a:t> to </a:t>
+            </a:r>
+            <a:r>
+              <a:rPr lang="fr-FR" dirty="0" err="1" smtClean="0"/>
+              <a:t>recover</a:t>
+            </a:r>
+            <a:endParaRPr lang="fr-FR" dirty="0" smtClean="0"/>
+          </a:p>
+          <a:p>
+            <a:r>
+              <a:rPr lang="fr-FR" dirty="0" err="1" smtClean="0"/>
+              <a:t>Using</a:t>
             </a:r>
             <a:r>
               <a:rPr lang="fr-FR" dirty="0" smtClean="0"/>
@@ -5275,154 +5304,56 @@
             </a:r>
             <a:r>
               <a:rPr lang="fr-FR" dirty="0" err="1" smtClean="0"/>
-              <a:t>subtitles</a:t>
+              <a:t>sed</a:t>
             </a:r>
             <a:r>
               <a:rPr lang="fr-FR" dirty="0" smtClean="0"/>
+              <a:t> command</a:t>
+            </a:r>
+          </a:p>
+          <a:p>
+            <a:pPr marL="0" indent="0">
+              <a:buNone/>
+            </a:pPr>
+            <a:r>
+              <a:rPr lang="fr-FR" dirty="0" smtClean="0"/>
+              <a:t>	</a:t>
+            </a:r>
+            <a:r>
+              <a:rPr lang="fr-FR" b="1" dirty="0" err="1" smtClean="0"/>
+              <a:t>sed</a:t>
+            </a:r>
+            <a:r>
+              <a:rPr lang="fr-FR" b="1" dirty="0" smtClean="0"/>
               <a:t> </a:t>
             </a:r>
             <a:r>
-              <a:rPr lang="fr-FR" dirty="0" err="1" smtClean="0"/>
-              <a:t>will</a:t>
-            </a:r>
-            <a:r>
-              <a:rPr lang="fr-FR" dirty="0" smtClean="0"/>
-              <a:t> </a:t>
-            </a:r>
-            <a:r>
-              <a:rPr lang="fr-FR" dirty="0" err="1" smtClean="0"/>
-              <a:t>be</a:t>
-            </a:r>
-            <a:r>
-              <a:rPr lang="fr-FR" dirty="0" smtClean="0"/>
-              <a:t> </a:t>
-            </a:r>
-            <a:r>
-              <a:rPr lang="fr-FR" dirty="0" err="1" smtClean="0"/>
-              <a:t>added</a:t>
-            </a:r>
-            <a:endParaRPr lang="fr-FR" dirty="0" smtClean="0"/>
-          </a:p>
-          <a:p>
-            <a:pPr marL="0" indent="0">
-              <a:buNone/>
-            </a:pPr>
+              <a:rPr lang="fr-FR" b="1" dirty="0"/>
+              <a:t>'s/&lt;a </a:t>
+            </a:r>
             <a:r>
               <a:rPr lang="fr-FR" b="1" dirty="0" err="1"/>
-              <a:t>function</a:t>
+              <a:t>href</a:t>
             </a:r>
             <a:r>
               <a:rPr lang="fr-FR" b="1" dirty="0"/>
-              <a:t> </a:t>
+              <a:t>="\/</a:t>
             </a:r>
             <a:r>
               <a:rPr lang="fr-FR" b="1" dirty="0" err="1"/>
-              <a:t>ask_path</a:t>
+              <a:t>fr</a:t>
             </a:r>
             <a:r>
               <a:rPr lang="fr-FR" b="1" dirty="0"/>
-              <a:t> {</a:t>
-            </a:r>
-          </a:p>
-          <a:p>
-            <a:pPr marL="0" indent="0">
-              <a:buNone/>
-            </a:pPr>
+              <a:t>\/</a:t>
+            </a:r>
+            <a:r>
+              <a:rPr lang="fr-FR" b="1" dirty="0" err="1"/>
+              <a:t>subtitleserve</a:t>
+            </a:r>
             <a:r>
               <a:rPr lang="fr-FR" b="1" dirty="0"/>
-              <a:t>	</a:t>
-            </a:r>
-            <a:r>
-              <a:rPr lang="fr-FR" b="1" dirty="0" err="1"/>
-              <a:t>read</a:t>
-            </a:r>
-            <a:r>
-              <a:rPr lang="fr-FR" b="1" dirty="0"/>
-              <a:t> -e -p "Enter the </a:t>
-            </a:r>
-            <a:r>
-              <a:rPr lang="fr-FR" b="1" dirty="0" err="1"/>
-              <a:t>path</a:t>
-            </a:r>
-            <a:r>
-              <a:rPr lang="fr-FR" b="1" dirty="0"/>
-              <a:t> </a:t>
-            </a:r>
-            <a:r>
-              <a:rPr lang="fr-FR" b="1" dirty="0" err="1"/>
-              <a:t>where</a:t>
-            </a:r>
-            <a:r>
-              <a:rPr lang="fr-FR" b="1" dirty="0"/>
-              <a:t> </a:t>
-            </a:r>
-            <a:r>
-              <a:rPr lang="fr-FR" b="1" dirty="0" err="1"/>
-              <a:t>your</a:t>
-            </a:r>
-            <a:r>
-              <a:rPr lang="fr-FR" b="1" dirty="0"/>
-              <a:t> </a:t>
-            </a:r>
-            <a:r>
-              <a:rPr lang="fr-FR" b="1" dirty="0" err="1"/>
-              <a:t>videos</a:t>
-            </a:r>
-            <a:r>
-              <a:rPr lang="fr-FR" b="1" dirty="0"/>
-              <a:t> are : " FILEPATH</a:t>
-            </a:r>
-          </a:p>
-          <a:p>
-            <a:pPr marL="0" indent="0">
-              <a:buNone/>
-            </a:pPr>
-            <a:r>
-              <a:rPr lang="fr-FR" b="1" dirty="0"/>
-              <a:t>	</a:t>
-            </a:r>
-            <a:r>
-              <a:rPr lang="fr-FR" b="1" dirty="0" err="1"/>
-              <a:t>eval</a:t>
-            </a:r>
-            <a:r>
-              <a:rPr lang="fr-FR" b="1" dirty="0"/>
-              <a:t> FILEPATH=$FILEPATH</a:t>
-            </a:r>
-          </a:p>
-          <a:p>
-            <a:pPr marL="0" indent="0">
-              <a:buNone/>
-            </a:pPr>
-            <a:r>
-              <a:rPr lang="fr-FR" b="1" dirty="0"/>
-              <a:t>	cd $FILEPATH</a:t>
-            </a:r>
-          </a:p>
-          <a:p>
-            <a:pPr marL="0" indent="0">
-              <a:buNone/>
-            </a:pPr>
-            <a:r>
-              <a:rPr lang="fr-FR" b="1" dirty="0"/>
-              <a:t>	#</a:t>
-            </a:r>
-            <a:r>
-              <a:rPr lang="fr-FR" b="1" dirty="0" err="1"/>
-              <a:t>echo</a:t>
-            </a:r>
-            <a:r>
-              <a:rPr lang="fr-FR" b="1" dirty="0"/>
-              <a:t> $PWD</a:t>
-            </a:r>
-          </a:p>
-          <a:p>
-            <a:pPr marL="0" indent="0">
-              <a:buNone/>
-            </a:pPr>
-            <a:r>
-              <a:rPr lang="fr-FR" dirty="0"/>
-              <a:t>}</a:t>
+              <a:t>\///;s/"$//')</a:t>
             </a:r>
           </a:p>
         </p:txBody>
@@ -5430,7 +5361,7 @@
     </p:spTree>
     <p:extLst>
       <p:ext uri="{BB962C8B-B14F-4D97-AF65-F5344CB8AC3E}">
-        <p14:creationId xmlns:p14="http://schemas.microsoft.com/office/powerpoint/2010/main" val="3361461775"/>
+        <p14:creationId xmlns:p14="http://schemas.microsoft.com/office/powerpoint/2010/main" val="3198653991"/>
       </p:ext>
     </p:extLst>
   </p:cSld>
@@ -5508,192 +5439,25 @@
         </p:nvSpPr>
         <p:spPr/>
         <p:txBody>
-          <a:bodyPr>
-            <a:normAutofit fontScale="85000" lnSpcReduction="20000"/>
-          </a:bodyPr>
-          <a:lstStyle/>
-          <a:p>
-            <a:r>
-              <a:rPr lang="fr-FR" dirty="0" err="1"/>
-              <a:t>B</a:t>
-            </a:r>
+          <a:bodyPr/>
+          <a:lstStyle/>
+          <a:p>
             <a:r>
               <a:rPr lang="fr-FR" dirty="0" err="1" smtClean="0"/>
-              <a:t>rowse</a:t>
+              <a:t>Define</a:t>
             </a:r>
             <a:r>
               <a:rPr lang="fr-FR" dirty="0" smtClean="0"/>
-              <a:t> </a:t>
-            </a:r>
-            <a:r>
-              <a:rPr lang="fr-FR" dirty="0"/>
-              <a:t>a </a:t>
+              <a:t> a </a:t>
             </a:r>
             <a:r>
               <a:rPr lang="fr-FR" dirty="0" err="1" smtClean="0"/>
-              <a:t>folder</a:t>
-            </a:r>
-            <a:endParaRPr lang="fr-FR" dirty="0" smtClean="0"/>
-          </a:p>
-          <a:p>
-            <a:pPr marL="0" indent="0">
-              <a:buNone/>
-            </a:pPr>
-            <a:r>
-              <a:rPr lang="fr-FR" b="1" dirty="0"/>
-              <a:t>for fichier in $PWD/*.</a:t>
-            </a:r>
-            <a:r>
-              <a:rPr lang="fr-FR" b="1" dirty="0" err="1"/>
-              <a:t>avi</a:t>
-            </a:r>
-            <a:r>
-              <a:rPr lang="fr-FR" b="1" dirty="0"/>
-              <a:t> or $PWD/*.</a:t>
-            </a:r>
-            <a:r>
-              <a:rPr lang="fr-FR" b="1" dirty="0" err="1"/>
-              <a:t>mkv</a:t>
-            </a:r>
-            <a:r>
-              <a:rPr lang="fr-FR" b="1" dirty="0"/>
-              <a:t> or $PWD/*.</a:t>
-            </a:r>
-            <a:r>
-              <a:rPr lang="fr-FR" b="1" dirty="0" err="1"/>
-              <a:t>mpeg</a:t>
-            </a:r>
-            <a:endParaRPr lang="fr-FR" b="1" dirty="0"/>
-          </a:p>
-          <a:p>
-            <a:pPr marL="0" indent="0">
-              <a:buNone/>
-            </a:pPr>
-            <a:r>
-              <a:rPr lang="fr-FR" b="1" dirty="0"/>
-              <a:t>	#</a:t>
-            </a:r>
-            <a:r>
-              <a:rPr lang="fr-FR" b="1" dirty="0" err="1"/>
-              <a:t>avi</a:t>
-            </a:r>
-            <a:r>
-              <a:rPr lang="fr-FR" b="1" dirty="0"/>
-              <a:t>, </a:t>
-            </a:r>
-            <a:r>
-              <a:rPr lang="fr-FR" b="1" dirty="0" err="1"/>
-              <a:t>mpeg</a:t>
-            </a:r>
-            <a:r>
-              <a:rPr lang="fr-FR" b="1" dirty="0"/>
-              <a:t>, </a:t>
-            </a:r>
-            <a:r>
-              <a:rPr lang="fr-FR" b="1" dirty="0" err="1"/>
-              <a:t>mkv</a:t>
-            </a:r>
-            <a:r>
-              <a:rPr lang="fr-FR" b="1" dirty="0"/>
-              <a:t>, m4v , </a:t>
-            </a:r>
-            <a:r>
-              <a:rPr lang="fr-FR" b="1" dirty="0" err="1"/>
-              <a:t>mov</a:t>
-            </a:r>
-            <a:endParaRPr lang="fr-FR" b="1" dirty="0"/>
-          </a:p>
-          <a:p>
-            <a:pPr marL="0" indent="0">
-              <a:buNone/>
-            </a:pPr>
-            <a:r>
-              <a:rPr lang="fr-FR" b="1" dirty="0"/>
-              <a:t>	do</a:t>
-            </a:r>
-          </a:p>
-          <a:p>
-            <a:pPr marL="0" indent="0">
-              <a:buNone/>
-            </a:pPr>
-            <a:r>
-              <a:rPr lang="fr-FR" b="1" dirty="0"/>
-              <a:t>		#</a:t>
-            </a:r>
-            <a:r>
-              <a:rPr lang="fr-FR" b="1" dirty="0" err="1"/>
-              <a:t>TVshow</a:t>
-            </a:r>
-            <a:r>
-              <a:rPr lang="fr-FR" b="1" dirty="0"/>
-              <a:t> </a:t>
-            </a:r>
-            <a:r>
-              <a:rPr lang="fr-FR" b="1" dirty="0" err="1"/>
-              <a:t>complete</a:t>
-            </a:r>
-            <a:r>
-              <a:rPr lang="fr-FR" b="1" dirty="0"/>
-              <a:t> </a:t>
-            </a:r>
-            <a:r>
-              <a:rPr lang="fr-FR" b="1" dirty="0" err="1"/>
-              <a:t>name</a:t>
-            </a:r>
-            <a:r>
-              <a:rPr lang="fr-FR" b="1" dirty="0"/>
-              <a:t> + </a:t>
-            </a:r>
-            <a:r>
-              <a:rPr lang="fr-FR" b="1" dirty="0" err="1"/>
-              <a:t>ep</a:t>
-            </a:r>
-            <a:r>
-              <a:rPr lang="fr-FR" b="1" dirty="0"/>
-              <a:t> + </a:t>
-            </a:r>
-            <a:r>
-              <a:rPr lang="fr-FR" b="1" dirty="0" err="1"/>
-              <a:t>season</a:t>
-            </a:r>
-            <a:endParaRPr lang="fr-FR" b="1" dirty="0"/>
-          </a:p>
-          <a:p>
-            <a:pPr marL="0" indent="0">
-              <a:buNone/>
-            </a:pPr>
-            <a:r>
-              <a:rPr lang="fr-FR" b="1" dirty="0"/>
-              <a:t>		fichier=${fichier##*/};</a:t>
-            </a:r>
-          </a:p>
-          <a:p>
-            <a:pPr marL="0" indent="0">
-              <a:buNone/>
-            </a:pPr>
-            <a:r>
-              <a:rPr lang="fr-FR" b="1" dirty="0"/>
-              <a:t>		fichier=${fichier%.*};</a:t>
-            </a:r>
-          </a:p>
-          <a:p>
-            <a:pPr marL="0" indent="0">
-              <a:buNone/>
-            </a:pPr>
-            <a:r>
-              <a:rPr lang="fr-FR" b="1" dirty="0"/>
-              <a:t>		</a:t>
-            </a:r>
-            <a:r>
-              <a:rPr lang="fr-FR" b="1" dirty="0" err="1"/>
-              <a:t>echo</a:t>
-            </a:r>
-            <a:r>
-              <a:rPr lang="fr-FR" b="1" dirty="0"/>
-              <a:t> $fichier</a:t>
-            </a:r>
-          </a:p>
-          <a:p>
+              <a:t>language</a:t>
+            </a:r>
+            <a:r>
+              <a:rPr lang="fr-FR" dirty="0" smtClean="0"/>
+              <a:t> by default</a:t>
+            </a:r>
             <a:endParaRPr lang="fr-FR" dirty="0"/>
           </a:p>
         </p:txBody>
@@ -5701,7 +5465,7 @@
     </p:spTree>
     <p:extLst>
       <p:ext uri="{BB962C8B-B14F-4D97-AF65-F5344CB8AC3E}">
-        <p14:creationId xmlns:p14="http://schemas.microsoft.com/office/powerpoint/2010/main" val="90029826"/>
+        <p14:creationId xmlns:p14="http://schemas.microsoft.com/office/powerpoint/2010/main" val="2652153541"/>
       </p:ext>
     </p:extLst>
   </p:cSld>
@@ -5712,294 +5476,6 @@
 </file>
 
 <file path=ppt/slides/slide4.xml><?xml version="1.0" encoding="utf-8"?>
-<p:sld xmlns:a="http://schemas.openxmlformats.org/drawingml/2006/main" xmlns:r="http://schemas.openxmlformats.org/officeDocument/2006/relationships" xmlns:p="http://schemas.openxmlformats.org/presentationml/2006/main">
-  <p:cSld>
-    <p:spTree>
-      <p:nvGrpSpPr>
-        <p:cNvPr id="1" name=""/>
-        <p:cNvGrpSpPr/>
-        <p:nvPr/>
-      </p:nvGrpSpPr>
-      <p:grpSpPr>
-        <a:xfrm>
-          <a:off x="0" y="0"/>
-          <a:ext cx="0" cy="0"/>
-          <a:chOff x="0" y="0"/>
-          <a:chExt cx="0" cy="0"/>
-        </a:xfrm>
-      </p:grpSpPr>
-      <p:sp>
-        <p:nvSpPr>
-          <p:cNvPr id="2" name="Titre 1"/>
-          <p:cNvSpPr>
-            <a:spLocks noGrp="1"/>
-          </p:cNvSpPr>
-          <p:nvPr>
-            <p:ph type="title"/>
-          </p:nvPr>
-        </p:nvSpPr>
-        <p:spPr/>
-        <p:txBody>
-          <a:bodyPr/>
-          <a:lstStyle/>
-          <a:p>
-            <a:r>
-              <a:rPr lang="fr-FR" dirty="0" err="1" smtClean="0"/>
-              <a:t>What</a:t>
-            </a:r>
-            <a:r>
-              <a:rPr lang="fr-FR" dirty="0" smtClean="0"/>
-              <a:t> </a:t>
-            </a:r>
-            <a:r>
-              <a:rPr lang="fr-FR" dirty="0" err="1" smtClean="0"/>
-              <a:t>we</a:t>
-            </a:r>
-            <a:r>
-              <a:rPr lang="fr-FR" dirty="0" smtClean="0"/>
-              <a:t> have </a:t>
-            </a:r>
-            <a:r>
-              <a:rPr lang="fr-FR" dirty="0" err="1" smtClean="0"/>
-              <a:t>done</a:t>
-            </a:r>
-            <a:endParaRPr lang="fr-FR" dirty="0"/>
-          </a:p>
-        </p:txBody>
-      </p:sp>
-      <p:sp>
-        <p:nvSpPr>
-          <p:cNvPr id="3" name="Espace réservé du contenu 2"/>
-          <p:cNvSpPr>
-            <a:spLocks noGrp="1"/>
-          </p:cNvSpPr>
-          <p:nvPr>
-            <p:ph idx="1"/>
-          </p:nvPr>
-        </p:nvSpPr>
-        <p:spPr>
-          <a:xfrm>
-            <a:off x="540656" y="2326344"/>
-            <a:ext cx="8184244" cy="3939985"/>
-          </a:xfrm>
-        </p:spPr>
-        <p:txBody>
-          <a:bodyPr>
-            <a:normAutofit fontScale="92500" lnSpcReduction="20000"/>
-          </a:bodyPr>
-          <a:lstStyle/>
-          <a:p>
-            <a:r>
-              <a:rPr lang="fr-FR" dirty="0"/>
-              <a:t>Look for existent </a:t>
-            </a:r>
-            <a:r>
-              <a:rPr lang="fr-FR" dirty="0" smtClean="0"/>
-              <a:t>files</a:t>
-            </a:r>
-          </a:p>
-          <a:p>
-            <a:pPr marL="0" indent="0">
-              <a:buNone/>
-            </a:pPr>
-            <a:r>
-              <a:rPr lang="fr-FR" b="1" dirty="0"/>
-              <a:t>if [ -e ${fichier}.</a:t>
-            </a:r>
-            <a:r>
-              <a:rPr lang="fr-FR" b="1" dirty="0" err="1"/>
-              <a:t>srt</a:t>
-            </a:r>
-            <a:r>
-              <a:rPr lang="fr-FR" b="1" dirty="0"/>
-              <a:t> ]; </a:t>
-            </a:r>
-            <a:r>
-              <a:rPr lang="fr-FR" b="1" dirty="0" err="1"/>
-              <a:t>then</a:t>
-            </a:r>
-            <a:endParaRPr lang="fr-FR" b="1" dirty="0"/>
-          </a:p>
-          <a:p>
-            <a:pPr marL="0" indent="0">
-              <a:buNone/>
-            </a:pPr>
-            <a:r>
-              <a:rPr lang="fr-FR" b="1" dirty="0" smtClean="0"/>
-              <a:t>	</a:t>
-            </a:r>
-            <a:r>
-              <a:rPr lang="fr-FR" b="1" dirty="0" err="1" smtClean="0"/>
-              <a:t>echo</a:t>
-            </a:r>
-            <a:r>
-              <a:rPr lang="fr-FR" b="1" dirty="0" smtClean="0"/>
-              <a:t> </a:t>
-            </a:r>
-            <a:r>
-              <a:rPr lang="fr-FR" b="1" dirty="0"/>
-              <a:t>-e "</a:t>
-            </a:r>
-            <a:r>
-              <a:rPr lang="fr-FR" b="1" dirty="0" err="1"/>
-              <a:t>srt</a:t>
-            </a:r>
-            <a:r>
-              <a:rPr lang="fr-FR" b="1" dirty="0"/>
-              <a:t> for ${fichier} </a:t>
-            </a:r>
-            <a:r>
-              <a:rPr lang="fr-FR" b="1" dirty="0" err="1"/>
-              <a:t>already</a:t>
-            </a:r>
-            <a:r>
-              <a:rPr lang="fr-FR" b="1" dirty="0"/>
-              <a:t> </a:t>
-            </a:r>
-            <a:r>
-              <a:rPr lang="fr-FR" b="1" dirty="0" err="1" smtClean="0"/>
-              <a:t>exists</a:t>
-            </a:r>
-            <a:r>
-              <a:rPr lang="fr-FR" b="1" dirty="0" smtClean="0"/>
-              <a:t> »</a:t>
-            </a:r>
-            <a:endParaRPr lang="fr-FR" b="1" dirty="0"/>
-          </a:p>
-          <a:p>
-            <a:pPr marL="0" indent="0">
-              <a:buNone/>
-            </a:pPr>
-            <a:r>
-              <a:rPr lang="fr-FR" b="1" dirty="0" smtClean="0"/>
-              <a:t>		</a:t>
-            </a:r>
-            <a:r>
-              <a:rPr lang="fr-FR" b="1" dirty="0" err="1" smtClean="0"/>
-              <a:t>else</a:t>
-            </a:r>
-            <a:endParaRPr lang="fr-FR" b="1" dirty="0"/>
-          </a:p>
-          <a:p>
-            <a:r>
-              <a:rPr lang="fr-FR" dirty="0"/>
-              <a:t>Web </a:t>
-            </a:r>
-            <a:r>
-              <a:rPr lang="fr-FR" dirty="0" err="1"/>
-              <a:t>Scrapping</a:t>
-            </a:r>
-            <a:r>
-              <a:rPr lang="fr-FR" dirty="0"/>
-              <a:t> to </a:t>
-            </a:r>
-            <a:r>
-              <a:rPr lang="fr-FR" dirty="0" err="1"/>
-              <a:t>search</a:t>
-            </a:r>
-            <a:r>
-              <a:rPr lang="fr-FR" dirty="0"/>
-              <a:t> the </a:t>
-            </a:r>
-            <a:r>
-              <a:rPr lang="fr-FR" dirty="0" smtClean="0"/>
-              <a:t>« </a:t>
-            </a:r>
-            <a:r>
-              <a:rPr lang="fr-FR" dirty="0" err="1" smtClean="0"/>
-              <a:t>download</a:t>
-            </a:r>
-            <a:r>
-              <a:rPr lang="fr-FR" dirty="0" smtClean="0"/>
-              <a:t> </a:t>
-            </a:r>
-            <a:r>
-              <a:rPr lang="fr-FR" dirty="0" err="1" smtClean="0"/>
-              <a:t>link</a:t>
-            </a:r>
-            <a:r>
-              <a:rPr lang="fr-FR" dirty="0" smtClean="0"/>
-              <a:t> »</a:t>
-            </a:r>
-            <a:endParaRPr lang="fr-FR" dirty="0"/>
-          </a:p>
-          <a:p>
-            <a:r>
-              <a:rPr lang="fr-FR" dirty="0" err="1"/>
-              <a:t>Extract</a:t>
-            </a:r>
-            <a:r>
-              <a:rPr lang="fr-FR" dirty="0"/>
-              <a:t> .</a:t>
-            </a:r>
-            <a:r>
-              <a:rPr lang="fr-FR" dirty="0" err="1"/>
-              <a:t>srt</a:t>
-            </a:r>
-            <a:r>
-              <a:rPr lang="fr-FR" dirty="0"/>
-              <a:t> </a:t>
-            </a:r>
-            <a:r>
-              <a:rPr lang="fr-FR" dirty="0" err="1"/>
-              <a:t>from</a:t>
-            </a:r>
-            <a:r>
-              <a:rPr lang="fr-FR" dirty="0"/>
-              <a:t> .zip</a:t>
-            </a:r>
-          </a:p>
-          <a:p>
-            <a:r>
-              <a:rPr lang="fr-FR" dirty="0" err="1"/>
-              <a:t>Rename</a:t>
-            </a:r>
-            <a:r>
-              <a:rPr lang="fr-FR" dirty="0"/>
-              <a:t> .</a:t>
-            </a:r>
-            <a:r>
-              <a:rPr lang="fr-FR" dirty="0" err="1"/>
-              <a:t>srt</a:t>
-            </a:r>
-            <a:r>
-              <a:rPr lang="fr-FR" dirty="0"/>
-              <a:t> to match the </a:t>
-            </a:r>
-            <a:r>
-              <a:rPr lang="fr-FR" dirty="0" err="1"/>
-              <a:t>video</a:t>
-            </a:r>
-            <a:r>
-              <a:rPr lang="fr-FR" dirty="0"/>
-              <a:t> file</a:t>
-            </a:r>
-          </a:p>
-          <a:p>
-            <a:r>
-              <a:rPr lang="fr-FR" dirty="0"/>
-              <a:t>Place .zip in trash</a:t>
-            </a:r>
-          </a:p>
-          <a:p>
-            <a:endParaRPr lang="fr-FR" dirty="0"/>
-          </a:p>
-        </p:txBody>
-      </p:sp>
-    </p:spTree>
-    <p:extLst>
-      <p:ext uri="{BB962C8B-B14F-4D97-AF65-F5344CB8AC3E}">
-        <p14:creationId xmlns:p14="http://schemas.microsoft.com/office/powerpoint/2010/main" val="832965685"/>
-      </p:ext>
-    </p:extLst>
-  </p:cSld>
-  <p:clrMapOvr>
-    <a:masterClrMapping/>
-  </p:clrMapOvr>
-</p:sld>
-</file>
-
-<file path=ppt/slides/slide5.xml><?xml version="1.0" encoding="utf-8"?>
 <p:sld xmlns:a="http://schemas.openxmlformats.org/drawingml/2006/main" xmlns:r="http://schemas.openxmlformats.org/officeDocument/2006/relationships" xmlns:p="http://schemas.openxmlformats.org/presentationml/2006/main">
   <p:cSld>
     <p:spTree>

--- a/jessica.besagni/projects/Subtitles 2605.pptx
+++ b/jessica.besagni/projects/Subtitles 2605.pptx
@@ -8,7 +8,8 @@
     <p:sldId id="256" r:id="rId2"/>
     <p:sldId id="263" r:id="rId3"/>
     <p:sldId id="264" r:id="rId4"/>
-    <p:sldId id="262" r:id="rId5"/>
+    <p:sldId id="265" r:id="rId5"/>
+    <p:sldId id="262" r:id="rId6"/>
   </p:sldIdLst>
   <p:sldSz cx="9144000" cy="6858000" type="screen4x3"/>
   <p:notesSz cx="6858000" cy="9144000"/>
@@ -5304,6 +5305,14 @@
             </a:r>
             <a:r>
               <a:rPr lang="fr-FR" dirty="0" err="1" smtClean="0"/>
+              <a:t>grep</a:t>
+            </a:r>
+            <a:r>
+              <a:rPr lang="fr-FR" dirty="0" smtClean="0"/>
+              <a:t> and </a:t>
+            </a:r>
+            <a:r>
+              <a:rPr lang="fr-FR" dirty="0" err="1" smtClean="0"/>
               <a:t>sed</a:t>
             </a:r>
             <a:r>
@@ -5316,7 +5325,65 @@
               <a:buNone/>
             </a:pPr>
             <a:r>
-              <a:rPr lang="fr-FR" dirty="0" smtClean="0"/>
+              <a:rPr lang="fr-FR" b="1" smtClean="0"/>
+              <a:t>	grep</a:t>
+            </a:r>
+            <a:r>
+              <a:rPr lang="fr-FR" b="1" dirty="0" smtClean="0"/>
+              <a:t> </a:t>
+            </a:r>
+            <a:r>
+              <a:rPr lang="fr-FR" b="1" dirty="0"/>
+              <a:t>-o '&lt;a </a:t>
+            </a:r>
+            <a:r>
+              <a:rPr lang="fr-FR" b="1" dirty="0" err="1"/>
+              <a:t>href</a:t>
+            </a:r>
+            <a:r>
+              <a:rPr lang="fr-FR" b="1" dirty="0"/>
+              <a:t>="/</a:t>
+            </a:r>
+            <a:r>
+              <a:rPr lang="fr-FR" b="1" dirty="0" err="1"/>
+              <a:t>fr</a:t>
+            </a:r>
+            <a:r>
+              <a:rPr lang="fr-FR" b="1" dirty="0"/>
+              <a:t>/</a:t>
+            </a:r>
+            <a:r>
+              <a:rPr lang="fr-FR" b="1" dirty="0" err="1"/>
+              <a:t>subtitleserve</a:t>
+            </a:r>
+            <a:r>
+              <a:rPr lang="fr-FR" b="1" dirty="0"/>
+              <a:t>/</a:t>
+            </a:r>
+            <a:r>
+              <a:rPr lang="fr-FR" b="1" dirty="0" err="1"/>
+              <a:t>sub</a:t>
+            </a:r>
+            <a:r>
+              <a:rPr lang="fr-FR" b="1" dirty="0"/>
+              <a:t>/[^"]</a:t>
+            </a:r>
+            <a:r>
+              <a:rPr lang="fr-FR" b="1" dirty="0" smtClean="0"/>
+              <a:t>*' </a:t>
+            </a:r>
+            <a:r>
+              <a:rPr lang="fr-FR" b="1" dirty="0"/>
+              <a:t>| </a:t>
+            </a:r>
+            <a:endParaRPr lang="fr-FR" b="1" dirty="0" smtClean="0"/>
+          </a:p>
+          <a:p>
+            <a:pPr marL="0" indent="0">
+              <a:buNone/>
+            </a:pPr>
+            <a:r>
+              <a:rPr lang="fr-FR" b="1" dirty="0"/>
               <a:t>	</a:t>
             </a:r>
             <a:r>
@@ -5353,7 +5420,15 @@
             </a:r>
             <a:r>
               <a:rPr lang="fr-FR" b="1" dirty="0"/>
-              <a:t>\///;s/"$//')</a:t>
+              <a:t>\//</a:t>
+            </a:r>
+            <a:r>
+              <a:rPr lang="fr-FR" b="1" dirty="0" smtClean="0"/>
+              <a:t>/'</a:t>
+            </a:r>
+            <a:r>
+              <a:rPr lang="fr-FR" b="1" dirty="0"/>
+              <a:t>);</a:t>
             </a:r>
           </a:p>
         </p:txBody>
@@ -5437,9 +5512,16 @@
             <p:ph idx="1"/>
           </p:nvPr>
         </p:nvSpPr>
-        <p:spPr/>
-        <p:txBody>
-          <a:bodyPr/>
+        <p:spPr>
+          <a:xfrm>
+            <a:off x="877949" y="2273588"/>
+            <a:ext cx="7846951" cy="3992742"/>
+          </a:xfrm>
+        </p:spPr>
+        <p:txBody>
+          <a:bodyPr>
+            <a:normAutofit/>
+          </a:bodyPr>
           <a:lstStyle/>
           <a:p>
             <a:r>
@@ -5458,7 +5540,94 @@
               <a:rPr lang="fr-FR" dirty="0" smtClean="0"/>
               <a:t> by default</a:t>
             </a:r>
-            <a:endParaRPr lang="fr-FR" dirty="0"/>
+          </a:p>
+          <a:p>
+            <a:pPr marL="0" indent="0">
+              <a:buNone/>
+            </a:pPr>
+            <a:r>
+              <a:rPr lang="fr-FR" b="1" dirty="0" smtClean="0"/>
+              <a:t>	</a:t>
+            </a:r>
+            <a:r>
+              <a:rPr lang="fr-FR" b="1" dirty="0" err="1" smtClean="0"/>
+              <a:t>lang</a:t>
+            </a:r>
+            <a:r>
+              <a:rPr lang="fr-FR" b="1" dirty="0"/>
+              <a:t>="</a:t>
+            </a:r>
+            <a:r>
+              <a:rPr lang="fr-FR" b="1" dirty="0" err="1"/>
+              <a:t>fre</a:t>
+            </a:r>
+            <a:r>
+              <a:rPr lang="fr-FR" b="1" dirty="0"/>
+              <a:t>"</a:t>
+            </a:r>
+            <a:endParaRPr lang="fr-FR" b="1" dirty="0" smtClean="0"/>
+          </a:p>
+          <a:p>
+            <a:r>
+              <a:rPr lang="fr-FR" dirty="0" err="1" smtClean="0"/>
+              <a:t>Verification</a:t>
+            </a:r>
+            <a:r>
+              <a:rPr lang="fr-FR" dirty="0" smtClean="0"/>
+              <a:t> </a:t>
+            </a:r>
+            <a:r>
+              <a:rPr lang="fr-FR" dirty="0" err="1" smtClean="0"/>
+              <a:t>that</a:t>
+            </a:r>
+            <a:r>
+              <a:rPr lang="fr-FR" dirty="0" smtClean="0"/>
+              <a:t> a </a:t>
+            </a:r>
+            <a:r>
+              <a:rPr lang="fr-FR" dirty="0" err="1" smtClean="0"/>
+              <a:t>parameter</a:t>
+            </a:r>
+            <a:r>
+              <a:rPr lang="fr-FR" dirty="0" smtClean="0"/>
+              <a:t> </a:t>
+            </a:r>
+            <a:r>
+              <a:rPr lang="fr-FR" dirty="0" err="1" smtClean="0"/>
+              <a:t>is</a:t>
+            </a:r>
+            <a:r>
+              <a:rPr lang="fr-FR" dirty="0" smtClean="0"/>
+              <a:t> </a:t>
+            </a:r>
+            <a:r>
+              <a:rPr lang="fr-FR" dirty="0" err="1" smtClean="0"/>
+              <a:t>entered</a:t>
+            </a:r>
+            <a:endParaRPr lang="fr-FR" dirty="0" smtClean="0"/>
+          </a:p>
+          <a:p>
+            <a:pPr marL="0" indent="0">
+              <a:buNone/>
+            </a:pPr>
+            <a:r>
+              <a:rPr lang="fr-FR" dirty="0" smtClean="0"/>
+              <a:t>	</a:t>
+            </a:r>
+            <a:r>
+              <a:rPr lang="en-US" b="1" dirty="0"/>
+              <a:t>if [[ $# != 0 ]] ; </a:t>
+            </a:r>
+            <a:r>
+              <a:rPr lang="en-US" b="1" dirty="0" smtClean="0"/>
+              <a:t>then</a:t>
+            </a:r>
+          </a:p>
+          <a:p>
+            <a:pPr marL="0" indent="0">
+              <a:buNone/>
+            </a:pPr>
+            <a:endParaRPr lang="fr-FR" b="1" dirty="0"/>
           </a:p>
         </p:txBody>
       </p:sp>
@@ -5508,6 +5677,262 @@
           <a:lstStyle/>
           <a:p>
             <a:r>
+              <a:rPr lang="fr-FR" dirty="0" err="1" smtClean="0"/>
+              <a:t>What</a:t>
+            </a:r>
+            <a:r>
+              <a:rPr lang="fr-FR" dirty="0" smtClean="0"/>
+              <a:t> </a:t>
+            </a:r>
+            <a:r>
+              <a:rPr lang="fr-FR" dirty="0" err="1" smtClean="0"/>
+              <a:t>we</a:t>
+            </a:r>
+            <a:r>
+              <a:rPr lang="fr-FR" dirty="0" smtClean="0"/>
+              <a:t> have </a:t>
+            </a:r>
+            <a:r>
+              <a:rPr lang="fr-FR" dirty="0" err="1" smtClean="0"/>
+              <a:t>done</a:t>
+            </a:r>
+            <a:endParaRPr lang="fr-FR" dirty="0"/>
+          </a:p>
+        </p:txBody>
+      </p:sp>
+      <p:sp>
+        <p:nvSpPr>
+          <p:cNvPr id="3" name="Espace réservé du contenu 2"/>
+          <p:cNvSpPr>
+            <a:spLocks noGrp="1"/>
+          </p:cNvSpPr>
+          <p:nvPr>
+            <p:ph idx="1"/>
+          </p:nvPr>
+        </p:nvSpPr>
+        <p:spPr>
+          <a:xfrm>
+            <a:off x="846629" y="2360618"/>
+            <a:ext cx="7878271" cy="3905712"/>
+          </a:xfrm>
+        </p:spPr>
+        <p:txBody>
+          <a:bodyPr>
+            <a:normAutofit fontScale="92500" lnSpcReduction="10000"/>
+          </a:bodyPr>
+          <a:lstStyle/>
+          <a:p>
+            <a:r>
+              <a:rPr lang="fr-FR" dirty="0" smtClean="0"/>
+              <a:t>Display </a:t>
+            </a:r>
+            <a:r>
+              <a:rPr lang="fr-FR" dirty="0"/>
+              <a:t>Help </a:t>
+            </a:r>
+          </a:p>
+          <a:p>
+            <a:pPr marL="0" indent="0">
+              <a:buNone/>
+            </a:pPr>
+            <a:r>
+              <a:rPr lang="fr-FR" dirty="0"/>
+              <a:t>	</a:t>
+            </a:r>
+            <a:r>
+              <a:rPr lang="en-US" b="1" dirty="0"/>
+              <a:t>if [[ $# == 1 ]] ; then </a:t>
+            </a:r>
+          </a:p>
+          <a:p>
+            <a:pPr marL="0" indent="0">
+              <a:buNone/>
+            </a:pPr>
+            <a:r>
+              <a:rPr lang="en-US" b="1" dirty="0"/>
+              <a:t>		if [[ $1 == '-h' || $1 == '--help' ]] ; then</a:t>
+            </a:r>
+          </a:p>
+          <a:p>
+            <a:pPr marL="0" indent="0">
+              <a:buNone/>
+            </a:pPr>
+            <a:r>
+              <a:rPr lang="en-US" b="1" dirty="0"/>
+              <a:t>		    </a:t>
+            </a:r>
+            <a:r>
+              <a:rPr lang="en-US" b="1" dirty="0" err="1"/>
+              <a:t>help_function</a:t>
+            </a:r>
+            <a:endParaRPr lang="en-US" b="1" dirty="0"/>
+          </a:p>
+          <a:p>
+            <a:pPr marL="0" indent="0">
+              <a:buNone/>
+            </a:pPr>
+            <a:r>
+              <a:rPr lang="fr-FR" b="1" dirty="0" err="1" smtClean="0"/>
+              <a:t>function</a:t>
+            </a:r>
+            <a:r>
+              <a:rPr lang="fr-FR" b="1" dirty="0" smtClean="0"/>
+              <a:t> </a:t>
+            </a:r>
+            <a:r>
+              <a:rPr lang="fr-FR" b="1" dirty="0" err="1"/>
+              <a:t>help_function</a:t>
+            </a:r>
+            <a:r>
+              <a:rPr lang="fr-FR" b="1" dirty="0"/>
+              <a:t> {</a:t>
+            </a:r>
+          </a:p>
+          <a:p>
+            <a:pPr marL="0" indent="0">
+              <a:buNone/>
+            </a:pPr>
+            <a:r>
+              <a:rPr lang="fr-FR" b="1" dirty="0"/>
+              <a:t>	</a:t>
+            </a:r>
+            <a:r>
+              <a:rPr lang="fr-FR" b="1" dirty="0" err="1"/>
+              <a:t>echo</a:t>
+            </a:r>
+            <a:r>
+              <a:rPr lang="fr-FR" b="1" dirty="0"/>
+              <a:t> -e "This application </a:t>
+            </a:r>
+            <a:r>
+              <a:rPr lang="fr-FR" b="1" dirty="0" err="1"/>
+              <a:t>download</a:t>
+            </a:r>
+            <a:r>
+              <a:rPr lang="fr-FR" b="1" dirty="0"/>
+              <a:t> all </a:t>
+            </a:r>
+            <a:r>
+              <a:rPr lang="fr-FR" b="1" dirty="0" err="1"/>
+              <a:t>subtitles</a:t>
+            </a:r>
+            <a:r>
+              <a:rPr lang="fr-FR" b="1" dirty="0"/>
+              <a:t> for the </a:t>
+            </a:r>
+            <a:r>
+              <a:rPr lang="fr-FR" b="1" dirty="0" err="1"/>
+              <a:t>videos</a:t>
+            </a:r>
+            <a:r>
+              <a:rPr lang="fr-FR" b="1" dirty="0"/>
+              <a:t> in a </a:t>
+            </a:r>
+            <a:r>
+              <a:rPr lang="fr-FR" b="1" dirty="0" err="1"/>
+              <a:t>folder</a:t>
+            </a:r>
+            <a:r>
+              <a:rPr lang="fr-FR" b="1" dirty="0"/>
+              <a:t>"</a:t>
+            </a:r>
+          </a:p>
+          <a:p>
+            <a:pPr marL="0" indent="0">
+              <a:buNone/>
+            </a:pPr>
+            <a:r>
+              <a:rPr lang="fr-FR" b="1" dirty="0"/>
+              <a:t>	</a:t>
+            </a:r>
+            <a:r>
+              <a:rPr lang="fr-FR" b="1" dirty="0" err="1"/>
+              <a:t>echo</a:t>
+            </a:r>
+            <a:r>
+              <a:rPr lang="fr-FR" b="1" dirty="0"/>
+              <a:t> -e "Utilisation : ./</a:t>
+            </a:r>
+            <a:r>
+              <a:rPr lang="fr-FR" b="1" dirty="0" err="1"/>
+              <a:t>subtitle.sh</a:t>
+            </a:r>
+            <a:r>
+              <a:rPr lang="fr-FR" b="1" dirty="0"/>
+              <a:t> [</a:t>
+            </a:r>
+            <a:r>
+              <a:rPr lang="fr-FR" b="1" dirty="0" err="1"/>
+              <a:t>language</a:t>
+            </a:r>
+            <a:r>
+              <a:rPr lang="fr-FR" b="1" dirty="0"/>
+              <a:t>] \</a:t>
+            </a:r>
+            <a:r>
+              <a:rPr lang="fr-FR" b="1" dirty="0" smtClean="0"/>
+              <a:t>n</a:t>
+            </a:r>
+            <a:r>
+              <a:rPr lang="fr-FR" b="1" dirty="0"/>
+              <a:t> » {</a:t>
+            </a:r>
+            <a:endParaRPr lang="fr-FR" b="1" dirty="0" smtClean="0"/>
+          </a:p>
+          <a:p>
+            <a:pPr marL="0" indent="0">
+              <a:buNone/>
+            </a:pPr>
+            <a:endParaRPr lang="fr-FR" b="1" dirty="0"/>
+          </a:p>
+        </p:txBody>
+      </p:sp>
+    </p:spTree>
+    <p:extLst>
+      <p:ext uri="{BB962C8B-B14F-4D97-AF65-F5344CB8AC3E}">
+        <p14:creationId xmlns:p14="http://schemas.microsoft.com/office/powerpoint/2010/main" val="1042113773"/>
+      </p:ext>
+    </p:extLst>
+  </p:cSld>
+  <p:clrMapOvr>
+    <a:masterClrMapping/>
+  </p:clrMapOvr>
+</p:sld>
+</file>
+
+<file path=ppt/slides/slide5.xml><?xml version="1.0" encoding="utf-8"?>
+<p:sld xmlns:a="http://schemas.openxmlformats.org/drawingml/2006/main" xmlns:r="http://schemas.openxmlformats.org/officeDocument/2006/relationships" xmlns:p="http://schemas.openxmlformats.org/presentationml/2006/main">
+  <p:cSld>
+    <p:spTree>
+      <p:nvGrpSpPr>
+        <p:cNvPr id="1" name=""/>
+        <p:cNvGrpSpPr/>
+        <p:nvPr/>
+      </p:nvGrpSpPr>
+      <p:grpSpPr>
+        <a:xfrm>
+          <a:off x="0" y="0"/>
+          <a:ext cx="0" cy="0"/>
+          <a:chOff x="0" y="0"/>
+          <a:chExt cx="0" cy="0"/>
+        </a:xfrm>
+      </p:grpSpPr>
+      <p:sp>
+        <p:nvSpPr>
+          <p:cNvPr id="2" name="Titre 1"/>
+          <p:cNvSpPr>
+            <a:spLocks noGrp="1"/>
+          </p:cNvSpPr>
+          <p:nvPr>
+            <p:ph type="title"/>
+          </p:nvPr>
+        </p:nvSpPr>
+        <p:spPr/>
+        <p:txBody>
+          <a:bodyPr/>
+          <a:lstStyle/>
+          <a:p>
+            <a:r>
               <a:rPr lang="fr-FR" dirty="0" smtClean="0"/>
               <a:t>To do </a:t>
             </a:r>
@@ -5536,31 +5961,36 @@
           <a:p>
             <a:r>
               <a:rPr lang="fr-FR" dirty="0" smtClean="0"/>
-              <a:t>Look on the </a:t>
-            </a:r>
-            <a:r>
-              <a:rPr lang="fr-FR" dirty="0" err="1" smtClean="0"/>
-              <a:t>subtitle</a:t>
+              <a:t>Look for </a:t>
             </a:r>
             <a:r>
               <a:rPr lang="fr-FR" dirty="0" smtClean="0"/>
-              <a:t> site for the </a:t>
-            </a:r>
-            <a:r>
-              <a:rPr lang="fr-FR" dirty="0" err="1" smtClean="0"/>
-              <a:t>available</a:t>
-            </a:r>
-            <a:r>
-              <a:rPr lang="fr-FR" dirty="0" smtClean="0"/>
-              <a:t> </a:t>
+              <a:t>the default </a:t>
             </a:r>
             <a:r>
               <a:rPr lang="fr-FR" dirty="0" err="1" smtClean="0"/>
               <a:t>language</a:t>
             </a:r>
-            <a:endParaRPr lang="fr-FR" dirty="0" smtClean="0"/>
-          </a:p>
-          <a:p>
+            <a:r>
+              <a:rPr lang="fr-FR" dirty="0" smtClean="0"/>
+              <a:t> of the computer and insert </a:t>
+            </a:r>
+            <a:r>
+              <a:rPr lang="fr-FR" dirty="0" err="1" smtClean="0"/>
+              <a:t>it</a:t>
+            </a:r>
+            <a:r>
+              <a:rPr lang="fr-FR" dirty="0" smtClean="0"/>
+              <a:t> in the default </a:t>
+            </a:r>
+            <a:r>
+              <a:rPr lang="fr-FR" dirty="0" err="1" smtClean="0"/>
+              <a:t>language</a:t>
+            </a:r>
+            <a:r>
+              <a:rPr lang="fr-FR" dirty="0" smtClean="0"/>
+              <a:t> of the script</a:t>
+            </a:r>
             <a:endParaRPr lang="fr-FR" dirty="0"/>
           </a:p>
         </p:txBody>

--- a/jessica.besagni/projects/Subtitles 2605.pptx
+++ b/jessica.besagni/projects/Subtitles 2605.pptx
@@ -7,9 +7,11 @@
   <p:sldIdLst>
     <p:sldId id="256" r:id="rId2"/>
     <p:sldId id="263" r:id="rId3"/>
-    <p:sldId id="264" r:id="rId4"/>
-    <p:sldId id="265" r:id="rId5"/>
-    <p:sldId id="262" r:id="rId6"/>
+    <p:sldId id="267" r:id="rId4"/>
+    <p:sldId id="264" r:id="rId5"/>
+    <p:sldId id="265" r:id="rId6"/>
+    <p:sldId id="266" r:id="rId7"/>
+    <p:sldId id="262" r:id="rId8"/>
   </p:sldIdLst>
   <p:sldSz cx="9144000" cy="6858000" type="screen4x3"/>
   <p:notesSz cx="6858000" cy="9144000"/>
@@ -5325,8 +5327,12 @@
               <a:buNone/>
             </a:pPr>
             <a:r>
-              <a:rPr lang="fr-FR" b="1" smtClean="0"/>
-              <a:t>	grep</a:t>
+              <a:rPr lang="fr-FR" b="1" dirty="0" smtClean="0"/>
+              <a:t>	</a:t>
+            </a:r>
+            <a:r>
+              <a:rPr lang="fr-FR" b="1" dirty="0" err="1" smtClean="0"/>
+              <a:t>grep</a:t>
             </a:r>
             <a:r>
               <a:rPr lang="fr-FR" b="1" dirty="0" smtClean="0"/>
@@ -5512,65 +5518,22 @@
             <p:ph idx="1"/>
           </p:nvPr>
         </p:nvSpPr>
-        <p:spPr>
-          <a:xfrm>
-            <a:off x="877949" y="2273588"/>
-            <a:ext cx="7846951" cy="3992742"/>
-          </a:xfrm>
-        </p:spPr>
-        <p:txBody>
-          <a:bodyPr>
-            <a:normAutofit/>
-          </a:bodyPr>
+        <p:spPr/>
+        <p:txBody>
+          <a:bodyPr/>
           <a:lstStyle/>
           <a:p>
             <a:r>
               <a:rPr lang="fr-FR" dirty="0" err="1" smtClean="0"/>
-              <a:t>Define</a:t>
+              <a:t>Dowload</a:t>
             </a:r>
             <a:r>
               <a:rPr lang="fr-FR" dirty="0" smtClean="0"/>
-              <a:t> a </a:t>
+              <a:t> the </a:t>
             </a:r>
             <a:r>
               <a:rPr lang="fr-FR" dirty="0" err="1" smtClean="0"/>
-              <a:t>language</a:t>
-            </a:r>
-            <a:r>
-              <a:rPr lang="fr-FR" dirty="0" smtClean="0"/>
-              <a:t> by default</a:t>
-            </a:r>
-          </a:p>
-          <a:p>
-            <a:pPr marL="0" indent="0">
-              <a:buNone/>
-            </a:pPr>
-            <a:r>
-              <a:rPr lang="fr-FR" b="1" dirty="0" smtClean="0"/>
-              <a:t>	</a:t>
-            </a:r>
-            <a:r>
-              <a:rPr lang="fr-FR" b="1" dirty="0" err="1" smtClean="0"/>
-              <a:t>lang</a:t>
-            </a:r>
-            <a:r>
-              <a:rPr lang="fr-FR" b="1" dirty="0"/>
-              <a:t>="</a:t>
-            </a:r>
-            <a:r>
-              <a:rPr lang="fr-FR" b="1" dirty="0" err="1"/>
-              <a:t>fre</a:t>
-            </a:r>
-            <a:r>
-              <a:rPr lang="fr-FR" b="1" dirty="0"/>
-              <a:t>"</a:t>
-            </a:r>
-            <a:endParaRPr lang="fr-FR" b="1" dirty="0" smtClean="0"/>
-          </a:p>
-          <a:p>
-            <a:r>
-              <a:rPr lang="fr-FR" dirty="0" err="1" smtClean="0"/>
-              <a:t>Verification</a:t>
+              <a:t>subtitles</a:t>
             </a:r>
             <a:r>
               <a:rPr lang="fr-FR" dirty="0" smtClean="0"/>
@@ -5578,15 +5541,7 @@
             </a:r>
             <a:r>
               <a:rPr lang="fr-FR" dirty="0" err="1" smtClean="0"/>
-              <a:t>that</a:t>
-            </a:r>
-            <a:r>
-              <a:rPr lang="fr-FR" dirty="0" smtClean="0"/>
-              <a:t> a </a:t>
-            </a:r>
-            <a:r>
-              <a:rPr lang="fr-FR" dirty="0" err="1" smtClean="0"/>
-              <a:t>parameter</a:t>
+              <a:t>with</a:t>
             </a:r>
             <a:r>
               <a:rPr lang="fr-FR" dirty="0" smtClean="0"/>
@@ -5594,7 +5549,15 @@
             </a:r>
             <a:r>
               <a:rPr lang="fr-FR" dirty="0" err="1" smtClean="0"/>
-              <a:t>is</a:t>
+              <a:t>curl</a:t>
+            </a:r>
+            <a:r>
+              <a:rPr lang="fr-FR" dirty="0" smtClean="0"/>
+              <a:t> and use the </a:t>
+            </a:r>
+            <a:r>
+              <a:rPr lang="fr-FR" dirty="0" err="1" smtClean="0"/>
+              <a:t>link</a:t>
             </a:r>
             <a:r>
               <a:rPr lang="fr-FR" dirty="0" smtClean="0"/>
@@ -5602,39 +5565,104 @@
             </a:r>
             <a:r>
               <a:rPr lang="fr-FR" dirty="0" err="1" smtClean="0"/>
-              <a:t>entered</a:t>
-            </a:r>
-            <a:endParaRPr lang="fr-FR" dirty="0" smtClean="0"/>
+              <a:t>we</a:t>
+            </a:r>
+            <a:r>
+              <a:rPr lang="fr-FR" dirty="0" smtClean="0"/>
+              <a:t> </a:t>
+            </a:r>
+            <a:r>
+              <a:rPr lang="fr-FR" dirty="0" err="1" smtClean="0"/>
+              <a:t>modified</a:t>
+            </a:r>
+            <a:r>
+              <a:rPr lang="fr-FR" dirty="0" smtClean="0"/>
+              <a:t> </a:t>
+            </a:r>
+            <a:r>
+              <a:rPr lang="fr-FR" dirty="0" err="1" smtClean="0"/>
+              <a:t>before</a:t>
+            </a:r>
+            <a:r>
+              <a:rPr lang="fr-FR" dirty="0" smtClean="0"/>
+              <a:t> (</a:t>
+            </a:r>
+            <a:r>
+              <a:rPr lang="fr-FR" dirty="0" err="1" smtClean="0"/>
+              <a:t>with</a:t>
+            </a:r>
+            <a:r>
+              <a:rPr lang="fr-FR" dirty="0" smtClean="0"/>
+              <a:t> </a:t>
+            </a:r>
+            <a:r>
+              <a:rPr lang="fr-FR" dirty="0" err="1" smtClean="0"/>
+              <a:t>grep</a:t>
+            </a:r>
+            <a:r>
+              <a:rPr lang="fr-FR" dirty="0" smtClean="0"/>
+              <a:t> dans </a:t>
+            </a:r>
+            <a:r>
+              <a:rPr lang="fr-FR" dirty="0" err="1" smtClean="0"/>
+              <a:t>sed</a:t>
+            </a:r>
+            <a:r>
+              <a:rPr lang="fr-FR" dirty="0" smtClean="0"/>
+              <a:t>)</a:t>
+            </a:r>
           </a:p>
           <a:p>
             <a:pPr marL="0" indent="0">
               <a:buNone/>
             </a:pPr>
             <a:r>
-              <a:rPr lang="fr-FR" dirty="0" smtClean="0"/>
-              <a:t>	</a:t>
-            </a:r>
-            <a:r>
-              <a:rPr lang="en-US" b="1" dirty="0"/>
-              <a:t>if [[ $# != 0 ]] ; </a:t>
-            </a:r>
-            <a:r>
-              <a:rPr lang="en-US" b="1" dirty="0" smtClean="0"/>
-              <a:t>then</a:t>
-            </a:r>
-          </a:p>
-          <a:p>
-            <a:pPr marL="0" indent="0">
-              <a:buNone/>
-            </a:pPr>
-            <a:endParaRPr lang="fr-FR" b="1" dirty="0"/>
+              <a:rPr lang="fr-FR" b="1" dirty="0" err="1"/>
+              <a:t>curl</a:t>
+            </a:r>
+            <a:r>
+              <a:rPr lang="fr-FR" b="1" dirty="0"/>
+              <a:t> -o $PWD/${fichier}.zip "http://</a:t>
+            </a:r>
+            <a:r>
+              <a:rPr lang="fr-FR" b="1" dirty="0" err="1"/>
+              <a:t>dl.opensubtitles.org</a:t>
+            </a:r>
+            <a:r>
+              <a:rPr lang="fr-FR" b="1" dirty="0"/>
+              <a:t>/</a:t>
+            </a:r>
+            <a:r>
+              <a:rPr lang="fr-FR" b="1" dirty="0" err="1"/>
+              <a:t>fr</a:t>
+            </a:r>
+            <a:r>
+              <a:rPr lang="fr-FR" b="1" dirty="0"/>
+              <a:t>/</a:t>
+            </a:r>
+            <a:r>
+              <a:rPr lang="fr-FR" b="1" dirty="0" err="1"/>
+              <a:t>download</a:t>
+            </a:r>
+            <a:r>
+              <a:rPr lang="fr-FR" b="1" dirty="0"/>
+              <a:t>/${</a:t>
+            </a:r>
+            <a:r>
+              <a:rPr lang="fr-FR" b="1" dirty="0" err="1"/>
+              <a:t>sub_link</a:t>
+            </a:r>
+            <a:r>
+              <a:rPr lang="fr-FR" b="1" dirty="0"/>
+              <a:t>}";</a:t>
+            </a:r>
           </a:p>
         </p:txBody>
       </p:sp>
     </p:spTree>
     <p:extLst>
       <p:ext uri="{BB962C8B-B14F-4D97-AF65-F5344CB8AC3E}">
-        <p14:creationId xmlns:p14="http://schemas.microsoft.com/office/powerpoint/2010/main" val="2652153541"/>
+        <p14:creationId xmlns:p14="http://schemas.microsoft.com/office/powerpoint/2010/main" val="996817911"/>
       </p:ext>
     </p:extLst>
   </p:cSld>
@@ -5712,6 +5740,218 @@
         </p:nvSpPr>
         <p:spPr>
           <a:xfrm>
+            <a:off x="877949" y="2273588"/>
+            <a:ext cx="7846951" cy="3992742"/>
+          </a:xfrm>
+        </p:spPr>
+        <p:txBody>
+          <a:bodyPr>
+            <a:normAutofit/>
+          </a:bodyPr>
+          <a:lstStyle/>
+          <a:p>
+            <a:r>
+              <a:rPr lang="fr-FR" dirty="0" err="1" smtClean="0"/>
+              <a:t>Define</a:t>
+            </a:r>
+            <a:r>
+              <a:rPr lang="fr-FR" dirty="0" smtClean="0"/>
+              <a:t> a </a:t>
+            </a:r>
+            <a:r>
+              <a:rPr lang="fr-FR" dirty="0" err="1" smtClean="0"/>
+              <a:t>language</a:t>
+            </a:r>
+            <a:r>
+              <a:rPr lang="fr-FR" dirty="0" smtClean="0"/>
+              <a:t> by default</a:t>
+            </a:r>
+          </a:p>
+          <a:p>
+            <a:pPr marL="0" indent="0">
+              <a:buNone/>
+            </a:pPr>
+            <a:r>
+              <a:rPr lang="fr-FR" b="1" dirty="0" smtClean="0"/>
+              <a:t>	</a:t>
+            </a:r>
+            <a:r>
+              <a:rPr lang="fr-FR" b="1" dirty="0" err="1" smtClean="0"/>
+              <a:t>lang</a:t>
+            </a:r>
+            <a:r>
+              <a:rPr lang="fr-FR" b="1" dirty="0"/>
+              <a:t>="</a:t>
+            </a:r>
+            <a:r>
+              <a:rPr lang="fr-FR" b="1" dirty="0" err="1"/>
+              <a:t>fre</a:t>
+            </a:r>
+            <a:r>
+              <a:rPr lang="fr-FR" b="1" dirty="0"/>
+              <a:t>"</a:t>
+            </a:r>
+            <a:endParaRPr lang="fr-FR" b="1" dirty="0" smtClean="0"/>
+          </a:p>
+          <a:p>
+            <a:r>
+              <a:rPr lang="fr-FR" dirty="0" err="1" smtClean="0"/>
+              <a:t>Verification</a:t>
+            </a:r>
+            <a:r>
+              <a:rPr lang="fr-FR" dirty="0" smtClean="0"/>
+              <a:t> </a:t>
+            </a:r>
+            <a:r>
+              <a:rPr lang="fr-FR" dirty="0" err="1" smtClean="0"/>
+              <a:t>that</a:t>
+            </a:r>
+            <a:r>
+              <a:rPr lang="fr-FR" dirty="0" smtClean="0"/>
+              <a:t> a </a:t>
+            </a:r>
+            <a:r>
+              <a:rPr lang="fr-FR" dirty="0" err="1" smtClean="0"/>
+              <a:t>parameter</a:t>
+            </a:r>
+            <a:r>
+              <a:rPr lang="fr-FR" dirty="0" smtClean="0"/>
+              <a:t> </a:t>
+            </a:r>
+            <a:r>
+              <a:rPr lang="fr-FR" dirty="0" err="1" smtClean="0"/>
+              <a:t>is</a:t>
+            </a:r>
+            <a:r>
+              <a:rPr lang="fr-FR" dirty="0" smtClean="0"/>
+              <a:t> </a:t>
+            </a:r>
+            <a:r>
+              <a:rPr lang="fr-FR" dirty="0" err="1" smtClean="0"/>
+              <a:t>entered</a:t>
+            </a:r>
+            <a:endParaRPr lang="fr-FR" dirty="0" smtClean="0"/>
+          </a:p>
+          <a:p>
+            <a:pPr marL="0" indent="0">
+              <a:buNone/>
+            </a:pPr>
+            <a:r>
+              <a:rPr lang="fr-FR" dirty="0" smtClean="0"/>
+              <a:t>	</a:t>
+            </a:r>
+            <a:r>
+              <a:rPr lang="en-US" b="1" dirty="0"/>
+              <a:t>if [[ $# != 0 ]] ; </a:t>
+            </a:r>
+            <a:r>
+              <a:rPr lang="en-US" b="1" dirty="0" smtClean="0"/>
+              <a:t>then </a:t>
+            </a:r>
+          </a:p>
+          <a:p>
+            <a:pPr marL="0" indent="0">
+              <a:buNone/>
+            </a:pPr>
+            <a:r>
+              <a:rPr lang="en-US" b="1" dirty="0"/>
+              <a:t>	</a:t>
+            </a:r>
+            <a:r>
+              <a:rPr lang="en-US" dirty="0" smtClean="0"/>
+              <a:t>$# return the number of parameters given to the script	</a:t>
+            </a:r>
+            <a:endParaRPr lang="en-US" b="1" dirty="0" smtClean="0"/>
+          </a:p>
+          <a:p>
+            <a:pPr marL="0" indent="0">
+              <a:buNone/>
+            </a:pPr>
+            <a:endParaRPr lang="fr-FR" b="1" dirty="0"/>
+          </a:p>
+        </p:txBody>
+      </p:sp>
+    </p:spTree>
+    <p:extLst>
+      <p:ext uri="{BB962C8B-B14F-4D97-AF65-F5344CB8AC3E}">
+        <p14:creationId xmlns:p14="http://schemas.microsoft.com/office/powerpoint/2010/main" val="2652153541"/>
+      </p:ext>
+    </p:extLst>
+  </p:cSld>
+  <p:clrMapOvr>
+    <a:masterClrMapping/>
+  </p:clrMapOvr>
+</p:sld>
+</file>
+
+<file path=ppt/slides/slide5.xml><?xml version="1.0" encoding="utf-8"?>
+<p:sld xmlns:a="http://schemas.openxmlformats.org/drawingml/2006/main" xmlns:r="http://schemas.openxmlformats.org/officeDocument/2006/relationships" xmlns:p="http://schemas.openxmlformats.org/presentationml/2006/main">
+  <p:cSld>
+    <p:spTree>
+      <p:nvGrpSpPr>
+        <p:cNvPr id="1" name=""/>
+        <p:cNvGrpSpPr/>
+        <p:nvPr/>
+      </p:nvGrpSpPr>
+      <p:grpSpPr>
+        <a:xfrm>
+          <a:off x="0" y="0"/>
+          <a:ext cx="0" cy="0"/>
+          <a:chOff x="0" y="0"/>
+          <a:chExt cx="0" cy="0"/>
+        </a:xfrm>
+      </p:grpSpPr>
+      <p:sp>
+        <p:nvSpPr>
+          <p:cNvPr id="2" name="Titre 1"/>
+          <p:cNvSpPr>
+            <a:spLocks noGrp="1"/>
+          </p:cNvSpPr>
+          <p:nvPr>
+            <p:ph type="title"/>
+          </p:nvPr>
+        </p:nvSpPr>
+        <p:spPr/>
+        <p:txBody>
+          <a:bodyPr/>
+          <a:lstStyle/>
+          <a:p>
+            <a:r>
+              <a:rPr lang="fr-FR" dirty="0" err="1" smtClean="0"/>
+              <a:t>What</a:t>
+            </a:r>
+            <a:r>
+              <a:rPr lang="fr-FR" dirty="0" smtClean="0"/>
+              <a:t> </a:t>
+            </a:r>
+            <a:r>
+              <a:rPr lang="fr-FR" dirty="0" err="1" smtClean="0"/>
+              <a:t>we</a:t>
+            </a:r>
+            <a:r>
+              <a:rPr lang="fr-FR" dirty="0" smtClean="0"/>
+              <a:t> have </a:t>
+            </a:r>
+            <a:r>
+              <a:rPr lang="fr-FR" dirty="0" err="1" smtClean="0"/>
+              <a:t>done</a:t>
+            </a:r>
+            <a:endParaRPr lang="fr-FR" dirty="0"/>
+          </a:p>
+        </p:txBody>
+      </p:sp>
+      <p:sp>
+        <p:nvSpPr>
+          <p:cNvPr id="3" name="Espace réservé du contenu 2"/>
+          <p:cNvSpPr>
+            <a:spLocks noGrp="1"/>
+          </p:cNvSpPr>
+          <p:nvPr>
+            <p:ph idx="1"/>
+          </p:nvPr>
+        </p:nvSpPr>
+        <p:spPr>
+          <a:xfrm>
             <a:off x="846629" y="2360618"/>
             <a:ext cx="7878271" cy="3905712"/>
           </a:xfrm>
@@ -5900,7 +6140,195 @@
 </p:sld>
 </file>
 
-<file path=ppt/slides/slide5.xml><?xml version="1.0" encoding="utf-8"?>
+<file path=ppt/slides/slide6.xml><?xml version="1.0" encoding="utf-8"?>
+<p:sld xmlns:a="http://schemas.openxmlformats.org/drawingml/2006/main" xmlns:r="http://schemas.openxmlformats.org/officeDocument/2006/relationships" xmlns:p="http://schemas.openxmlformats.org/presentationml/2006/main">
+  <p:cSld>
+    <p:spTree>
+      <p:nvGrpSpPr>
+        <p:cNvPr id="1" name=""/>
+        <p:cNvGrpSpPr/>
+        <p:nvPr/>
+      </p:nvGrpSpPr>
+      <p:grpSpPr>
+        <a:xfrm>
+          <a:off x="0" y="0"/>
+          <a:ext cx="0" cy="0"/>
+          <a:chOff x="0" y="0"/>
+          <a:chExt cx="0" cy="0"/>
+        </a:xfrm>
+      </p:grpSpPr>
+      <p:sp>
+        <p:nvSpPr>
+          <p:cNvPr id="2" name="Titre 1"/>
+          <p:cNvSpPr>
+            <a:spLocks noGrp="1"/>
+          </p:cNvSpPr>
+          <p:nvPr>
+            <p:ph type="title"/>
+          </p:nvPr>
+        </p:nvSpPr>
+        <p:spPr/>
+        <p:txBody>
+          <a:bodyPr/>
+          <a:lstStyle/>
+          <a:p>
+            <a:r>
+              <a:rPr lang="fr-FR" dirty="0" err="1" smtClean="0"/>
+              <a:t>What</a:t>
+            </a:r>
+            <a:r>
+              <a:rPr lang="fr-FR" dirty="0" smtClean="0"/>
+              <a:t> </a:t>
+            </a:r>
+            <a:r>
+              <a:rPr lang="fr-FR" dirty="0" err="1" smtClean="0"/>
+              <a:t>we</a:t>
+            </a:r>
+            <a:r>
+              <a:rPr lang="fr-FR" dirty="0" smtClean="0"/>
+              <a:t> have </a:t>
+            </a:r>
+            <a:r>
+              <a:rPr lang="fr-FR" dirty="0" err="1" smtClean="0"/>
+              <a:t>done</a:t>
+            </a:r>
+            <a:endParaRPr lang="fr-FR" dirty="0"/>
+          </a:p>
+        </p:txBody>
+      </p:sp>
+      <p:sp>
+        <p:nvSpPr>
+          <p:cNvPr id="3" name="Espace réservé du contenu 2"/>
+          <p:cNvSpPr>
+            <a:spLocks noGrp="1"/>
+          </p:cNvSpPr>
+          <p:nvPr>
+            <p:ph idx="1"/>
+          </p:nvPr>
+        </p:nvSpPr>
+        <p:spPr/>
+        <p:txBody>
+          <a:bodyPr/>
+          <a:lstStyle/>
+          <a:p>
+            <a:r>
+              <a:rPr lang="fr-FR" dirty="0" err="1" smtClean="0"/>
+              <a:t>Recover</a:t>
+            </a:r>
+            <a:r>
+              <a:rPr lang="fr-FR" dirty="0" smtClean="0"/>
+              <a:t> the </a:t>
+            </a:r>
+            <a:r>
+              <a:rPr lang="fr-FR" dirty="0" err="1" smtClean="0"/>
+              <a:t>subtitles</a:t>
+            </a:r>
+            <a:r>
+              <a:rPr lang="fr-FR" dirty="0" smtClean="0"/>
+              <a:t>’ </a:t>
+            </a:r>
+            <a:r>
+              <a:rPr lang="fr-FR" dirty="0" err="1" smtClean="0"/>
+              <a:t>language</a:t>
+            </a:r>
+            <a:endParaRPr lang="fr-FR" dirty="0" smtClean="0"/>
+          </a:p>
+          <a:p>
+            <a:pPr marL="349250" lvl="1" indent="0">
+              <a:buNone/>
+            </a:pPr>
+            <a:endParaRPr lang="fr-FR" dirty="0" smtClean="0"/>
+          </a:p>
+          <a:p>
+            <a:pPr marL="349250" lvl="1" indent="0">
+              <a:buNone/>
+            </a:pPr>
+            <a:r>
+              <a:rPr lang="fr-FR" dirty="0"/>
+              <a:t>	</a:t>
+            </a:r>
+            <a:r>
+              <a:rPr lang="fr-FR" b="1" dirty="0" err="1"/>
+              <a:t>lang</a:t>
+            </a:r>
+            <a:r>
+              <a:rPr lang="fr-FR" b="1" dirty="0"/>
+              <a:t>=$(</a:t>
+            </a:r>
+            <a:r>
+              <a:rPr lang="fr-FR" b="1" dirty="0" err="1"/>
+              <a:t>echo</a:t>
+            </a:r>
+            <a:r>
+              <a:rPr lang="fr-FR" b="1" dirty="0"/>
+              <a:t> "$@" | </a:t>
+            </a:r>
+            <a:r>
+              <a:rPr lang="fr-FR" b="1" dirty="0" err="1"/>
+              <a:t>cut</a:t>
+            </a:r>
+            <a:r>
+              <a:rPr lang="fr-FR" b="1" dirty="0"/>
+              <a:t> -c1-3)</a:t>
+            </a:r>
+            <a:r>
+              <a:rPr lang="fr-FR" b="1" dirty="0" smtClean="0"/>
+              <a:t>;</a:t>
+            </a:r>
+          </a:p>
+          <a:p>
+            <a:pPr marL="349250" lvl="1" indent="0">
+              <a:buNone/>
+            </a:pPr>
+            <a:r>
+              <a:rPr lang="fr-FR" b="1" dirty="0"/>
+              <a:t>	</a:t>
+            </a:r>
+            <a:endParaRPr lang="fr-FR" b="1" dirty="0" smtClean="0"/>
+          </a:p>
+          <a:p>
+            <a:pPr marL="349250" lvl="1" indent="0">
+              <a:buNone/>
+            </a:pPr>
+            <a:r>
+              <a:rPr lang="fr-FR" b="1" dirty="0"/>
+              <a:t>	</a:t>
+            </a:r>
+            <a:r>
+              <a:rPr lang="fr-FR" b="1" dirty="0" smtClean="0"/>
+              <a:t>$@ : </a:t>
+            </a:r>
+            <a:r>
+              <a:rPr lang="fr-FR" dirty="0" smtClean="0"/>
+              <a:t>All arguments </a:t>
+            </a:r>
+            <a:endParaRPr lang="fr-FR" b="1" dirty="0"/>
+          </a:p>
+          <a:p>
+            <a:pPr marL="349250" lvl="1" indent="0">
+              <a:buNone/>
+            </a:pPr>
+            <a:r>
+              <a:rPr lang="fr-FR" b="1" dirty="0"/>
+              <a:t>	</a:t>
+            </a:r>
+          </a:p>
+        </p:txBody>
+      </p:sp>
+    </p:spTree>
+    <p:extLst>
+      <p:ext uri="{BB962C8B-B14F-4D97-AF65-F5344CB8AC3E}">
+        <p14:creationId xmlns:p14="http://schemas.microsoft.com/office/powerpoint/2010/main" val="1607905944"/>
+      </p:ext>
+    </p:extLst>
+  </p:cSld>
+  <p:clrMapOvr>
+    <a:masterClrMapping/>
+  </p:clrMapOvr>
+</p:sld>
+</file>
+
+<file path=ppt/slides/slide7.xml><?xml version="1.0" encoding="utf-8"?>
 <p:sld xmlns:a="http://schemas.openxmlformats.org/drawingml/2006/main" xmlns:r="http://schemas.openxmlformats.org/officeDocument/2006/relationships" xmlns:p="http://schemas.openxmlformats.org/presentationml/2006/main">
   <p:cSld>
     <p:spTree>
